--- a/help session/week13/week13_oop.pptx
+++ b/help session/week13/week13_oop.pptx
@@ -9531,15 +9531,7 @@
           <a:p>
             <a:r>
               <a:rPr lang="en-US" dirty="0"/>
-              <a:t>Discussion: Following these four </a:t>
-            </a:r>
-            <a:r>
-              <a:rPr lang="en-US" dirty="0" err="1"/>
-              <a:t>pilars</a:t>
-            </a:r>
-            <a:r>
-              <a:rPr lang="en-US" dirty="0"/>
-              <a:t> – which way is more “correct”</a:t>
+              <a:t>Discussion: Following these four pillars – which way is more “correct”</a:t>
             </a:r>
           </a:p>
           <a:p>
@@ -10415,15 +10407,7 @@
             <a:pPr lvl="1"/>
             <a:r>
               <a:rPr lang="en-US" dirty="0"/>
-              <a:t>The inner class is a more robust way to do it</a:t>
-            </a:r>
-            <a:r>
-              <a:rPr lang="en-US"/>
-              <a:t>, but not </a:t>
-            </a:r>
-            <a:r>
-              <a:rPr lang="en-US" dirty="0"/>
-              <a:t>needed for this one</a:t>
+              <a:t>The inner class is a more robust way to do it, but not needed for this one</a:t>
             </a:r>
           </a:p>
           <a:p>
